--- a/docs/SDD Gantt.pptx
+++ b/docs/SDD Gantt.pptx
@@ -6,6 +6,7 @@
   </p:sldMasterIdLst>
   <p:sldIdLst>
     <p:sldId id="256" r:id="rId2"/>
+    <p:sldId id="257" r:id="rId3"/>
   </p:sldIdLst>
   <p:sldSz cx="9144000" cy="6858000" type="screen4x3"/>
   <p:notesSz cx="6858000" cy="9144000"/>
@@ -288,7 +289,8 @@
           <a:p>
             <a:fld id="{7FE7FCF5-E0F6-4A7F-AD85-3780F2F737F4}" type="datetimeFigureOut">
               <a:rPr lang="en-AU" smtClean="0"/>
-              <a:t>24/10/2012</a:t>
+              <a:pPr/>
+              <a:t>10/03/2013</a:t>
             </a:fld>
             <a:endParaRPr lang="en-AU"/>
           </a:p>
@@ -330,6 +332,7 @@
           <a:p>
             <a:fld id="{FED2EAD9-19EB-4DCB-A3C1-0D02EC92E1A5}" type="slidenum">
               <a:rPr lang="en-AU" smtClean="0"/>
+              <a:pPr/>
               <a:t>‹#›</a:t>
             </a:fld>
             <a:endParaRPr lang="en-AU"/>
@@ -453,7 +456,8 @@
           <a:p>
             <a:fld id="{7FE7FCF5-E0F6-4A7F-AD85-3780F2F737F4}" type="datetimeFigureOut">
               <a:rPr lang="en-AU" smtClean="0"/>
-              <a:t>24/10/2012</a:t>
+              <a:pPr/>
+              <a:t>10/03/2013</a:t>
             </a:fld>
             <a:endParaRPr lang="en-AU"/>
           </a:p>
@@ -495,6 +499,7 @@
           <a:p>
             <a:fld id="{FED2EAD9-19EB-4DCB-A3C1-0D02EC92E1A5}" type="slidenum">
               <a:rPr lang="en-AU" smtClean="0"/>
+              <a:pPr/>
               <a:t>‹#›</a:t>
             </a:fld>
             <a:endParaRPr lang="en-AU"/>
@@ -628,7 +633,8 @@
           <a:p>
             <a:fld id="{7FE7FCF5-E0F6-4A7F-AD85-3780F2F737F4}" type="datetimeFigureOut">
               <a:rPr lang="en-AU" smtClean="0"/>
-              <a:t>24/10/2012</a:t>
+              <a:pPr/>
+              <a:t>10/03/2013</a:t>
             </a:fld>
             <a:endParaRPr lang="en-AU"/>
           </a:p>
@@ -670,6 +676,7 @@
           <a:p>
             <a:fld id="{FED2EAD9-19EB-4DCB-A3C1-0D02EC92E1A5}" type="slidenum">
               <a:rPr lang="en-AU" smtClean="0"/>
+              <a:pPr/>
               <a:t>‹#›</a:t>
             </a:fld>
             <a:endParaRPr lang="en-AU"/>
@@ -793,7 +800,8 @@
           <a:p>
             <a:fld id="{7FE7FCF5-E0F6-4A7F-AD85-3780F2F737F4}" type="datetimeFigureOut">
               <a:rPr lang="en-AU" smtClean="0"/>
-              <a:t>24/10/2012</a:t>
+              <a:pPr/>
+              <a:t>10/03/2013</a:t>
             </a:fld>
             <a:endParaRPr lang="en-AU"/>
           </a:p>
@@ -835,6 +843,7 @@
           <a:p>
             <a:fld id="{FED2EAD9-19EB-4DCB-A3C1-0D02EC92E1A5}" type="slidenum">
               <a:rPr lang="en-AU" smtClean="0"/>
+              <a:pPr/>
               <a:t>‹#›</a:t>
             </a:fld>
             <a:endParaRPr lang="en-AU"/>
@@ -1034,7 +1043,8 @@
           <a:p>
             <a:fld id="{7FE7FCF5-E0F6-4A7F-AD85-3780F2F737F4}" type="datetimeFigureOut">
               <a:rPr lang="en-AU" smtClean="0"/>
-              <a:t>24/10/2012</a:t>
+              <a:pPr/>
+              <a:t>10/03/2013</a:t>
             </a:fld>
             <a:endParaRPr lang="en-AU"/>
           </a:p>
@@ -1076,6 +1086,7 @@
           <a:p>
             <a:fld id="{FED2EAD9-19EB-4DCB-A3C1-0D02EC92E1A5}" type="slidenum">
               <a:rPr lang="en-AU" smtClean="0"/>
+              <a:pPr/>
               <a:t>‹#›</a:t>
             </a:fld>
             <a:endParaRPr lang="en-AU"/>
@@ -1317,7 +1328,8 @@
           <a:p>
             <a:fld id="{7FE7FCF5-E0F6-4A7F-AD85-3780F2F737F4}" type="datetimeFigureOut">
               <a:rPr lang="en-AU" smtClean="0"/>
-              <a:t>24/10/2012</a:t>
+              <a:pPr/>
+              <a:t>10/03/2013</a:t>
             </a:fld>
             <a:endParaRPr lang="en-AU"/>
           </a:p>
@@ -1359,6 +1371,7 @@
           <a:p>
             <a:fld id="{FED2EAD9-19EB-4DCB-A3C1-0D02EC92E1A5}" type="slidenum">
               <a:rPr lang="en-AU" smtClean="0"/>
+              <a:pPr/>
               <a:t>‹#›</a:t>
             </a:fld>
             <a:endParaRPr lang="en-AU"/>
@@ -1734,7 +1747,8 @@
           <a:p>
             <a:fld id="{7FE7FCF5-E0F6-4A7F-AD85-3780F2F737F4}" type="datetimeFigureOut">
               <a:rPr lang="en-AU" smtClean="0"/>
-              <a:t>24/10/2012</a:t>
+              <a:pPr/>
+              <a:t>10/03/2013</a:t>
             </a:fld>
             <a:endParaRPr lang="en-AU"/>
           </a:p>
@@ -1776,6 +1790,7 @@
           <a:p>
             <a:fld id="{FED2EAD9-19EB-4DCB-A3C1-0D02EC92E1A5}" type="slidenum">
               <a:rPr lang="en-AU" smtClean="0"/>
+              <a:pPr/>
               <a:t>‹#›</a:t>
             </a:fld>
             <a:endParaRPr lang="en-AU"/>
@@ -1847,7 +1862,8 @@
           <a:p>
             <a:fld id="{7FE7FCF5-E0F6-4A7F-AD85-3780F2F737F4}" type="datetimeFigureOut">
               <a:rPr lang="en-AU" smtClean="0"/>
-              <a:t>24/10/2012</a:t>
+              <a:pPr/>
+              <a:t>10/03/2013</a:t>
             </a:fld>
             <a:endParaRPr lang="en-AU"/>
           </a:p>
@@ -1889,6 +1905,7 @@
           <a:p>
             <a:fld id="{FED2EAD9-19EB-4DCB-A3C1-0D02EC92E1A5}" type="slidenum">
               <a:rPr lang="en-AU" smtClean="0"/>
+              <a:pPr/>
               <a:t>‹#›</a:t>
             </a:fld>
             <a:endParaRPr lang="en-AU"/>
@@ -1937,7 +1954,8 @@
           <a:p>
             <a:fld id="{7FE7FCF5-E0F6-4A7F-AD85-3780F2F737F4}" type="datetimeFigureOut">
               <a:rPr lang="en-AU" smtClean="0"/>
-              <a:t>24/10/2012</a:t>
+              <a:pPr/>
+              <a:t>10/03/2013</a:t>
             </a:fld>
             <a:endParaRPr lang="en-AU"/>
           </a:p>
@@ -1979,6 +1997,7 @@
           <a:p>
             <a:fld id="{FED2EAD9-19EB-4DCB-A3C1-0D02EC92E1A5}" type="slidenum">
               <a:rPr lang="en-AU" smtClean="0"/>
+              <a:pPr/>
               <a:t>‹#›</a:t>
             </a:fld>
             <a:endParaRPr lang="en-AU"/>
@@ -2209,7 +2228,8 @@
           <a:p>
             <a:fld id="{7FE7FCF5-E0F6-4A7F-AD85-3780F2F737F4}" type="datetimeFigureOut">
               <a:rPr lang="en-AU" smtClean="0"/>
-              <a:t>24/10/2012</a:t>
+              <a:pPr/>
+              <a:t>10/03/2013</a:t>
             </a:fld>
             <a:endParaRPr lang="en-AU"/>
           </a:p>
@@ -2251,6 +2271,7 @@
           <a:p>
             <a:fld id="{FED2EAD9-19EB-4DCB-A3C1-0D02EC92E1A5}" type="slidenum">
               <a:rPr lang="en-AU" smtClean="0"/>
+              <a:pPr/>
               <a:t>‹#›</a:t>
             </a:fld>
             <a:endParaRPr lang="en-AU"/>
@@ -2457,7 +2478,8 @@
           <a:p>
             <a:fld id="{7FE7FCF5-E0F6-4A7F-AD85-3780F2F737F4}" type="datetimeFigureOut">
               <a:rPr lang="en-AU" smtClean="0"/>
-              <a:t>24/10/2012</a:t>
+              <a:pPr/>
+              <a:t>10/03/2013</a:t>
             </a:fld>
             <a:endParaRPr lang="en-AU"/>
           </a:p>
@@ -2499,6 +2521,7 @@
           <a:p>
             <a:fld id="{FED2EAD9-19EB-4DCB-A3C1-0D02EC92E1A5}" type="slidenum">
               <a:rPr lang="en-AU" smtClean="0"/>
+              <a:pPr/>
               <a:t>‹#›</a:t>
             </a:fld>
             <a:endParaRPr lang="en-AU"/>
@@ -2665,7 +2688,8 @@
           <a:p>
             <a:fld id="{7FE7FCF5-E0F6-4A7F-AD85-3780F2F737F4}" type="datetimeFigureOut">
               <a:rPr lang="en-AU" smtClean="0"/>
-              <a:t>24/10/2012</a:t>
+              <a:pPr/>
+              <a:t>10/03/2013</a:t>
             </a:fld>
             <a:endParaRPr lang="en-AU"/>
           </a:p>
@@ -2743,6 +2767,7 @@
           <a:p>
             <a:fld id="{FED2EAD9-19EB-4DCB-A3C1-0D02EC92E1A5}" type="slidenum">
               <a:rPr lang="en-AU" smtClean="0"/>
+              <a:pPr/>
               <a:t>‹#›</a:t>
             </a:fld>
             <a:endParaRPr lang="en-AU"/>
@@ -3045,7 +3070,7 @@
         </p:nvGraphicFramePr>
         <p:xfrm>
           <a:off x="0" y="548680"/>
-          <a:ext cx="9143998" cy="6336704"/>
+          <a:ext cx="9143998" cy="6611024"/>
         </p:xfrm>
         <a:graphic>
           <a:graphicData uri="http://schemas.openxmlformats.org/drawingml/2006/table">
@@ -4840,6 +4865,1828 @@
 </p:sld>
 </file>
 
+<file path=ppt/slides/slide2.xml><?xml version="1.0" encoding="utf-8"?>
+<p:sld xmlns:a="http://schemas.openxmlformats.org/drawingml/2006/main" xmlns:r="http://schemas.openxmlformats.org/officeDocument/2006/relationships" xmlns:p="http://schemas.openxmlformats.org/presentationml/2006/main">
+  <p:cSld>
+    <p:spTree>
+      <p:nvGrpSpPr>
+        <p:cNvPr id="1" name=""/>
+        <p:cNvGrpSpPr/>
+        <p:nvPr/>
+      </p:nvGrpSpPr>
+      <p:grpSpPr>
+        <a:xfrm>
+          <a:off x="0" y="0"/>
+          <a:ext cx="0" cy="0"/>
+          <a:chOff x="0" y="0"/>
+          <a:chExt cx="0" cy="0"/>
+        </a:xfrm>
+      </p:grpSpPr>
+      <p:graphicFrame>
+        <p:nvGraphicFramePr>
+          <p:cNvPr id="5" name="Table 4"/>
+          <p:cNvGraphicFramePr>
+            <a:graphicFrameLocks noGrp="1"/>
+          </p:cNvGraphicFramePr>
+          <p:nvPr/>
+        </p:nvGraphicFramePr>
+        <p:xfrm>
+          <a:off x="0" y="548680"/>
+          <a:ext cx="9143998" cy="6611024"/>
+        </p:xfrm>
+        <a:graphic>
+          <a:graphicData uri="http://schemas.openxmlformats.org/drawingml/2006/table">
+            <a:tbl>
+              <a:tblPr firstRow="1" bandRow="1">
+                <a:tableStyleId>{5940675A-B579-460E-94D1-54222C63F5DA}</a:tableStyleId>
+              </a:tblPr>
+              <a:tblGrid>
+                <a:gridCol w="1347482"/>
+                <a:gridCol w="1064278"/>
+                <a:gridCol w="1121661"/>
+                <a:gridCol w="1165834"/>
+                <a:gridCol w="1092970"/>
+                <a:gridCol w="1165834"/>
+                <a:gridCol w="1165834"/>
+                <a:gridCol w="1020105"/>
+              </a:tblGrid>
+              <a:tr h="504056">
+                <a:tc>
+                  <a:txBody>
+                    <a:bodyPr/>
+                    <a:lstStyle/>
+                    <a:p>
+                      <a:pPr algn="ctr"/>
+                      <a:r>
+                        <a:rPr lang="en-AU" b="1" u="sng" dirty="0" smtClean="0">
+                          <a:latin typeface="Adobe Caslon Pro" pitchFamily="18" charset="0"/>
+                        </a:rPr>
+                        <a:t>Task</a:t>
+                      </a:r>
+                      <a:endParaRPr lang="en-AU" b="1" u="sng" dirty="0">
+                        <a:latin typeface="Adobe Caslon Pro" pitchFamily="18" charset="0"/>
+                      </a:endParaRPr>
+                    </a:p>
+                  </a:txBody>
+                  <a:tcPr/>
+                </a:tc>
+                <a:tc>
+                  <a:txBody>
+                    <a:bodyPr/>
+                    <a:lstStyle/>
+                    <a:p>
+                      <a:pPr algn="ctr"/>
+                      <a:r>
+                        <a:rPr lang="en-AU" b="1" dirty="0" smtClean="0">
+                          <a:latin typeface="Adobe Caslon Pro" pitchFamily="18" charset="0"/>
+                        </a:rPr>
+                        <a:t>Term 4 2012</a:t>
+                      </a:r>
+                      <a:endParaRPr lang="en-AU" b="1" dirty="0">
+                        <a:latin typeface="Adobe Caslon Pro" pitchFamily="18" charset="0"/>
+                      </a:endParaRPr>
+                    </a:p>
+                  </a:txBody>
+                  <a:tcPr/>
+                </a:tc>
+                <a:tc>
+                  <a:txBody>
+                    <a:bodyPr/>
+                    <a:lstStyle/>
+                    <a:p>
+                      <a:pPr algn="ctr"/>
+                      <a:r>
+                        <a:rPr lang="en-AU" b="1" dirty="0" smtClean="0">
+                          <a:latin typeface="Adobe Caslon Pro" pitchFamily="18" charset="0"/>
+                        </a:rPr>
+                        <a:t>6-week</a:t>
+                      </a:r>
+                    </a:p>
+                    <a:p>
+                      <a:pPr algn="ctr"/>
+                      <a:r>
+                        <a:rPr lang="en-AU" b="1" baseline="0" dirty="0" smtClean="0">
+                          <a:latin typeface="Adobe Caslon Pro" pitchFamily="18" charset="0"/>
+                        </a:rPr>
+                        <a:t>Holidays</a:t>
+                      </a:r>
+                      <a:endParaRPr lang="en-AU" b="1" dirty="0">
+                        <a:latin typeface="Adobe Caslon Pro" pitchFamily="18" charset="0"/>
+                      </a:endParaRPr>
+                    </a:p>
+                  </a:txBody>
+                  <a:tcPr/>
+                </a:tc>
+                <a:tc>
+                  <a:txBody>
+                    <a:bodyPr/>
+                    <a:lstStyle/>
+                    <a:p>
+                      <a:pPr algn="ctr"/>
+                      <a:r>
+                        <a:rPr lang="en-AU" b="1" dirty="0" smtClean="0">
+                          <a:latin typeface="Adobe Caslon Pro" pitchFamily="18" charset="0"/>
+                        </a:rPr>
+                        <a:t>Term 1 2013</a:t>
+                      </a:r>
+                      <a:endParaRPr lang="en-AU" b="1" dirty="0">
+                        <a:latin typeface="Adobe Caslon Pro" pitchFamily="18" charset="0"/>
+                      </a:endParaRPr>
+                    </a:p>
+                  </a:txBody>
+                  <a:tcPr/>
+                </a:tc>
+                <a:tc>
+                  <a:txBody>
+                    <a:bodyPr/>
+                    <a:lstStyle/>
+                    <a:p>
+                      <a:pPr algn="ctr"/>
+                      <a:r>
+                        <a:rPr lang="en-AU" b="1" dirty="0" smtClean="0">
+                          <a:latin typeface="Adobe Caslon Pro" pitchFamily="18" charset="0"/>
+                        </a:rPr>
+                        <a:t>2-week</a:t>
+                      </a:r>
+                      <a:r>
+                        <a:rPr lang="en-AU" b="1" baseline="0" dirty="0" smtClean="0">
+                          <a:latin typeface="Adobe Caslon Pro" pitchFamily="18" charset="0"/>
+                        </a:rPr>
+                        <a:t> Holidays</a:t>
+                      </a:r>
+                      <a:endParaRPr lang="en-AU" b="1" dirty="0">
+                        <a:latin typeface="Adobe Caslon Pro" pitchFamily="18" charset="0"/>
+                      </a:endParaRPr>
+                    </a:p>
+                  </a:txBody>
+                  <a:tcPr/>
+                </a:tc>
+                <a:tc>
+                  <a:txBody>
+                    <a:bodyPr/>
+                    <a:lstStyle/>
+                    <a:p>
+                      <a:pPr algn="ctr"/>
+                      <a:r>
+                        <a:rPr lang="en-AU" b="1" dirty="0" smtClean="0">
+                          <a:latin typeface="Adobe Caslon Pro" pitchFamily="18" charset="0"/>
+                        </a:rPr>
+                        <a:t>Term 2 2013</a:t>
+                      </a:r>
+                      <a:endParaRPr lang="en-AU" b="1" dirty="0">
+                        <a:latin typeface="Adobe Caslon Pro" pitchFamily="18" charset="0"/>
+                      </a:endParaRPr>
+                    </a:p>
+                  </a:txBody>
+                  <a:tcPr/>
+                </a:tc>
+                <a:tc>
+                  <a:txBody>
+                    <a:bodyPr/>
+                    <a:lstStyle/>
+                    <a:p>
+                      <a:pPr algn="ctr"/>
+                      <a:r>
+                        <a:rPr lang="en-AU" b="1" dirty="0" smtClean="0">
+                          <a:latin typeface="Adobe Caslon Pro" pitchFamily="18" charset="0"/>
+                        </a:rPr>
+                        <a:t>2-week Holidays</a:t>
+                      </a:r>
+                      <a:endParaRPr lang="en-AU" b="1" dirty="0">
+                        <a:latin typeface="Adobe Caslon Pro" pitchFamily="18" charset="0"/>
+                      </a:endParaRPr>
+                    </a:p>
+                  </a:txBody>
+                  <a:tcPr/>
+                </a:tc>
+                <a:tc>
+                  <a:txBody>
+                    <a:bodyPr/>
+                    <a:lstStyle/>
+                    <a:p>
+                      <a:pPr algn="ctr"/>
+                      <a:r>
+                        <a:rPr lang="en-AU" b="1" dirty="0" smtClean="0">
+                          <a:latin typeface="Adobe Caslon Pro" pitchFamily="18" charset="0"/>
+                        </a:rPr>
+                        <a:t>Term 3 2013</a:t>
+                      </a:r>
+                      <a:endParaRPr lang="en-AU" b="1" dirty="0">
+                        <a:latin typeface="Adobe Caslon Pro" pitchFamily="18" charset="0"/>
+                      </a:endParaRPr>
+                    </a:p>
+                  </a:txBody>
+                  <a:tcPr/>
+                </a:tc>
+              </a:tr>
+              <a:tr h="1870151">
+                <a:tc>
+                  <a:txBody>
+                    <a:bodyPr/>
+                    <a:lstStyle/>
+                    <a:p>
+                      <a:pPr algn="ctr"/>
+                      <a:r>
+                        <a:rPr lang="en-AU" sz="1200" b="1" u="sng" dirty="0" smtClean="0">
+                          <a:latin typeface="Adobe Caslon Pro" pitchFamily="18" charset="0"/>
+                        </a:rPr>
+                        <a:t>Documentation</a:t>
+                      </a:r>
+                    </a:p>
+                  </a:txBody>
+                  <a:tcPr anchor="ctr"/>
+                </a:tc>
+                <a:tc>
+                  <a:txBody>
+                    <a:bodyPr/>
+                    <a:lstStyle/>
+                    <a:p>
+                      <a:pPr algn="ctr"/>
+                      <a:endParaRPr lang="en-AU" dirty="0">
+                        <a:latin typeface="Adobe Caslon Pro" pitchFamily="18" charset="0"/>
+                      </a:endParaRPr>
+                    </a:p>
+                  </a:txBody>
+                  <a:tcPr/>
+                </a:tc>
+                <a:tc>
+                  <a:txBody>
+                    <a:bodyPr/>
+                    <a:lstStyle/>
+                    <a:p>
+                      <a:pPr algn="ctr"/>
+                      <a:endParaRPr lang="en-AU" dirty="0">
+                        <a:latin typeface="Adobe Caslon Pro" pitchFamily="18" charset="0"/>
+                      </a:endParaRPr>
+                    </a:p>
+                  </a:txBody>
+                  <a:tcPr/>
+                </a:tc>
+                <a:tc>
+                  <a:txBody>
+                    <a:bodyPr/>
+                    <a:lstStyle/>
+                    <a:p>
+                      <a:pPr algn="ctr"/>
+                      <a:endParaRPr lang="en-AU" dirty="0">
+                        <a:latin typeface="Adobe Caslon Pro" pitchFamily="18" charset="0"/>
+                      </a:endParaRPr>
+                    </a:p>
+                  </a:txBody>
+                  <a:tcPr/>
+                </a:tc>
+                <a:tc>
+                  <a:txBody>
+                    <a:bodyPr/>
+                    <a:lstStyle/>
+                    <a:p>
+                      <a:pPr algn="ctr"/>
+                      <a:endParaRPr lang="en-AU" dirty="0">
+                        <a:latin typeface="Adobe Caslon Pro" pitchFamily="18" charset="0"/>
+                      </a:endParaRPr>
+                    </a:p>
+                  </a:txBody>
+                  <a:tcPr/>
+                </a:tc>
+                <a:tc>
+                  <a:txBody>
+                    <a:bodyPr/>
+                    <a:lstStyle/>
+                    <a:p>
+                      <a:pPr algn="ctr"/>
+                      <a:endParaRPr lang="en-AU" dirty="0">
+                        <a:latin typeface="Adobe Caslon Pro" pitchFamily="18" charset="0"/>
+                      </a:endParaRPr>
+                    </a:p>
+                  </a:txBody>
+                  <a:tcPr/>
+                </a:tc>
+                <a:tc>
+                  <a:txBody>
+                    <a:bodyPr/>
+                    <a:lstStyle/>
+                    <a:p>
+                      <a:pPr algn="ctr"/>
+                      <a:endParaRPr lang="en-AU" dirty="0">
+                        <a:latin typeface="Adobe Caslon Pro" pitchFamily="18" charset="0"/>
+                      </a:endParaRPr>
+                    </a:p>
+                  </a:txBody>
+                  <a:tcPr/>
+                </a:tc>
+                <a:tc>
+                  <a:txBody>
+                    <a:bodyPr/>
+                    <a:lstStyle/>
+                    <a:p>
+                      <a:pPr algn="ctr"/>
+                      <a:endParaRPr lang="en-AU" dirty="0">
+                        <a:latin typeface="Adobe Caslon Pro" pitchFamily="18" charset="0"/>
+                      </a:endParaRPr>
+                    </a:p>
+                  </a:txBody>
+                  <a:tcPr/>
+                </a:tc>
+              </a:tr>
+              <a:tr h="1870151">
+                <a:tc>
+                  <a:txBody>
+                    <a:bodyPr/>
+                    <a:lstStyle/>
+                    <a:p>
+                      <a:pPr algn="ctr"/>
+                      <a:r>
+                        <a:rPr lang="en-AU" sz="1200" b="1" u="sng" dirty="0" smtClean="0">
+                          <a:latin typeface="Adobe Caslon Pro" pitchFamily="18" charset="0"/>
+                        </a:rPr>
+                        <a:t>Implementation</a:t>
+                      </a:r>
+                      <a:endParaRPr lang="en-AU" sz="1200" b="1" u="sng" dirty="0">
+                        <a:latin typeface="Adobe Caslon Pro" pitchFamily="18" charset="0"/>
+                      </a:endParaRPr>
+                    </a:p>
+                  </a:txBody>
+                  <a:tcPr anchor="ctr"/>
+                </a:tc>
+                <a:tc>
+                  <a:txBody>
+                    <a:bodyPr/>
+                    <a:lstStyle/>
+                    <a:p>
+                      <a:pPr algn="ctr"/>
+                      <a:endParaRPr lang="en-AU" dirty="0">
+                        <a:latin typeface="Adobe Caslon Pro" pitchFamily="18" charset="0"/>
+                      </a:endParaRPr>
+                    </a:p>
+                  </a:txBody>
+                  <a:tcPr/>
+                </a:tc>
+                <a:tc>
+                  <a:txBody>
+                    <a:bodyPr/>
+                    <a:lstStyle/>
+                    <a:p>
+                      <a:pPr algn="ctr"/>
+                      <a:endParaRPr lang="en-AU" dirty="0">
+                        <a:latin typeface="Adobe Caslon Pro" pitchFamily="18" charset="0"/>
+                      </a:endParaRPr>
+                    </a:p>
+                  </a:txBody>
+                  <a:tcPr/>
+                </a:tc>
+                <a:tc>
+                  <a:txBody>
+                    <a:bodyPr/>
+                    <a:lstStyle/>
+                    <a:p>
+                      <a:pPr algn="ctr"/>
+                      <a:endParaRPr lang="en-AU" dirty="0">
+                        <a:latin typeface="Adobe Caslon Pro" pitchFamily="18" charset="0"/>
+                      </a:endParaRPr>
+                    </a:p>
+                  </a:txBody>
+                  <a:tcPr/>
+                </a:tc>
+                <a:tc>
+                  <a:txBody>
+                    <a:bodyPr/>
+                    <a:lstStyle/>
+                    <a:p>
+                      <a:pPr algn="ctr"/>
+                      <a:endParaRPr lang="en-AU" dirty="0">
+                        <a:latin typeface="Adobe Caslon Pro" pitchFamily="18" charset="0"/>
+                      </a:endParaRPr>
+                    </a:p>
+                  </a:txBody>
+                  <a:tcPr/>
+                </a:tc>
+                <a:tc>
+                  <a:txBody>
+                    <a:bodyPr/>
+                    <a:lstStyle/>
+                    <a:p>
+                      <a:pPr algn="ctr"/>
+                      <a:endParaRPr lang="en-AU" dirty="0">
+                        <a:latin typeface="Adobe Caslon Pro" pitchFamily="18" charset="0"/>
+                      </a:endParaRPr>
+                    </a:p>
+                  </a:txBody>
+                  <a:tcPr/>
+                </a:tc>
+                <a:tc>
+                  <a:txBody>
+                    <a:bodyPr/>
+                    <a:lstStyle/>
+                    <a:p>
+                      <a:pPr algn="ctr"/>
+                      <a:endParaRPr lang="en-AU" dirty="0">
+                        <a:latin typeface="Adobe Caslon Pro" pitchFamily="18" charset="0"/>
+                      </a:endParaRPr>
+                    </a:p>
+                  </a:txBody>
+                  <a:tcPr/>
+                </a:tc>
+                <a:tc>
+                  <a:txBody>
+                    <a:bodyPr/>
+                    <a:lstStyle/>
+                    <a:p>
+                      <a:pPr algn="ctr"/>
+                      <a:endParaRPr lang="en-AU" dirty="0">
+                        <a:latin typeface="Adobe Caslon Pro" pitchFamily="18" charset="0"/>
+                      </a:endParaRPr>
+                    </a:p>
+                  </a:txBody>
+                  <a:tcPr/>
+                </a:tc>
+              </a:tr>
+              <a:tr h="1956322">
+                <a:tc>
+                  <a:txBody>
+                    <a:bodyPr/>
+                    <a:lstStyle/>
+                    <a:p>
+                      <a:pPr algn="ctr"/>
+                      <a:r>
+                        <a:rPr lang="en-AU" sz="1200" b="1" u="sng" dirty="0" smtClean="0">
+                          <a:latin typeface="Adobe Caslon Pro" pitchFamily="18" charset="0"/>
+                        </a:rPr>
+                        <a:t>Content</a:t>
+                      </a:r>
+                      <a:endParaRPr lang="en-AU" sz="1200" b="1" u="sng" dirty="0">
+                        <a:latin typeface="Adobe Caslon Pro" pitchFamily="18" charset="0"/>
+                      </a:endParaRPr>
+                    </a:p>
+                  </a:txBody>
+                  <a:tcPr anchor="ctr"/>
+                </a:tc>
+                <a:tc>
+                  <a:txBody>
+                    <a:bodyPr/>
+                    <a:lstStyle/>
+                    <a:p>
+                      <a:pPr algn="ctr"/>
+                      <a:endParaRPr lang="en-AU">
+                        <a:latin typeface="Adobe Caslon Pro" pitchFamily="18" charset="0"/>
+                      </a:endParaRPr>
+                    </a:p>
+                  </a:txBody>
+                  <a:tcPr/>
+                </a:tc>
+                <a:tc>
+                  <a:txBody>
+                    <a:bodyPr/>
+                    <a:lstStyle/>
+                    <a:p>
+                      <a:pPr algn="ctr"/>
+                      <a:endParaRPr lang="en-AU" dirty="0">
+                        <a:latin typeface="Adobe Caslon Pro" pitchFamily="18" charset="0"/>
+                      </a:endParaRPr>
+                    </a:p>
+                  </a:txBody>
+                  <a:tcPr/>
+                </a:tc>
+                <a:tc>
+                  <a:txBody>
+                    <a:bodyPr/>
+                    <a:lstStyle/>
+                    <a:p>
+                      <a:pPr algn="ctr"/>
+                      <a:endParaRPr lang="en-AU">
+                        <a:latin typeface="Adobe Caslon Pro" pitchFamily="18" charset="0"/>
+                      </a:endParaRPr>
+                    </a:p>
+                  </a:txBody>
+                  <a:tcPr/>
+                </a:tc>
+                <a:tc>
+                  <a:txBody>
+                    <a:bodyPr/>
+                    <a:lstStyle/>
+                    <a:p>
+                      <a:pPr algn="ctr"/>
+                      <a:endParaRPr lang="en-AU" dirty="0">
+                        <a:latin typeface="Adobe Caslon Pro" pitchFamily="18" charset="0"/>
+                      </a:endParaRPr>
+                    </a:p>
+                  </a:txBody>
+                  <a:tcPr/>
+                </a:tc>
+                <a:tc>
+                  <a:txBody>
+                    <a:bodyPr/>
+                    <a:lstStyle/>
+                    <a:p>
+                      <a:pPr algn="ctr"/>
+                      <a:endParaRPr lang="en-AU" dirty="0">
+                        <a:latin typeface="Adobe Caslon Pro" pitchFamily="18" charset="0"/>
+                      </a:endParaRPr>
+                    </a:p>
+                  </a:txBody>
+                  <a:tcPr/>
+                </a:tc>
+                <a:tc>
+                  <a:txBody>
+                    <a:bodyPr/>
+                    <a:lstStyle/>
+                    <a:p>
+                      <a:pPr algn="ctr"/>
+                      <a:endParaRPr lang="en-AU" dirty="0">
+                        <a:latin typeface="Adobe Caslon Pro" pitchFamily="18" charset="0"/>
+                      </a:endParaRPr>
+                    </a:p>
+                  </a:txBody>
+                  <a:tcPr/>
+                </a:tc>
+                <a:tc>
+                  <a:txBody>
+                    <a:bodyPr/>
+                    <a:lstStyle/>
+                    <a:p>
+                      <a:pPr algn="ctr"/>
+                      <a:endParaRPr lang="en-AU" dirty="0">
+                        <a:latin typeface="Adobe Caslon Pro" pitchFamily="18" charset="0"/>
+                      </a:endParaRPr>
+                    </a:p>
+                  </a:txBody>
+                  <a:tcPr/>
+                </a:tc>
+              </a:tr>
+            </a:tbl>
+          </a:graphicData>
+        </a:graphic>
+      </p:graphicFrame>
+      <p:sp>
+        <p:nvSpPr>
+          <p:cNvPr id="6" name="TextBox 5"/>
+          <p:cNvSpPr txBox="1"/>
+          <p:nvPr/>
+        </p:nvSpPr>
+        <p:spPr>
+          <a:xfrm>
+            <a:off x="1835696" y="188640"/>
+            <a:ext cx="6192688" cy="369332"/>
+          </a:xfrm>
+          <a:prstGeom prst="rect">
+            <a:avLst/>
+          </a:prstGeom>
+          <a:noFill/>
+        </p:spPr>
+        <p:txBody>
+          <a:bodyPr wrap="square" rtlCol="0">
+            <a:spAutoFit/>
+          </a:bodyPr>
+          <a:lstStyle/>
+          <a:p>
+            <a:r>
+              <a:rPr lang="en-AU" dirty="0" smtClean="0">
+                <a:latin typeface="Adobe Caslon Pro Bold" pitchFamily="18" charset="0"/>
+              </a:rPr>
+              <a:t>SDD Major Project – Time base, rough outline            </a:t>
+            </a:r>
+            <a:r>
+              <a:rPr lang="en-AU" sz="1000" dirty="0" err="1" smtClean="0">
+                <a:latin typeface="Adobe Caslon Pro Bold" pitchFamily="18" charset="0"/>
+              </a:rPr>
+              <a:t>Seb</a:t>
+            </a:r>
+            <a:r>
+              <a:rPr lang="en-AU" sz="1000" dirty="0" smtClean="0">
+                <a:latin typeface="Adobe Caslon Pro Bold" pitchFamily="18" charset="0"/>
+              </a:rPr>
+              <a:t> Holzapfel</a:t>
+            </a:r>
+            <a:endParaRPr lang="en-AU" sz="1000" dirty="0">
+              <a:latin typeface="Adobe Caslon Pro Bold" pitchFamily="18" charset="0"/>
+            </a:endParaRPr>
+          </a:p>
+        </p:txBody>
+      </p:sp>
+      <p:sp>
+        <p:nvSpPr>
+          <p:cNvPr id="7" name="Rectangle 6"/>
+          <p:cNvSpPr/>
+          <p:nvPr/>
+        </p:nvSpPr>
+        <p:spPr>
+          <a:xfrm>
+            <a:off x="1403648" y="1268760"/>
+            <a:ext cx="432048" cy="216024"/>
+          </a:xfrm>
+          <a:prstGeom prst="rect">
+            <a:avLst/>
+          </a:prstGeom>
+          <a:solidFill>
+            <a:schemeClr val="bg1">
+              <a:alpha val="81000"/>
+            </a:schemeClr>
+          </a:solidFill>
+          <a:ln>
+            <a:solidFill>
+              <a:schemeClr val="tx1"/>
+            </a:solidFill>
+          </a:ln>
+        </p:spPr>
+        <p:style>
+          <a:lnRef idx="2">
+            <a:schemeClr val="accent1">
+              <a:shade val="50000"/>
+            </a:schemeClr>
+          </a:lnRef>
+          <a:fillRef idx="1">
+            <a:schemeClr val="accent1"/>
+          </a:fillRef>
+          <a:effectRef idx="0">
+            <a:schemeClr val="accent1"/>
+          </a:effectRef>
+          <a:fontRef idx="minor">
+            <a:schemeClr val="lt1"/>
+          </a:fontRef>
+        </p:style>
+        <p:txBody>
+          <a:bodyPr rtlCol="0" anchor="ctr"/>
+          <a:lstStyle/>
+          <a:p>
+            <a:pPr algn="ctr"/>
+            <a:r>
+              <a:rPr lang="en-AU" sz="800" dirty="0" smtClean="0">
+                <a:solidFill>
+                  <a:schemeClr val="tx1"/>
+                </a:solidFill>
+              </a:rPr>
+              <a:t>Idea</a:t>
+            </a:r>
+            <a:endParaRPr lang="en-AU" sz="800" dirty="0">
+              <a:solidFill>
+                <a:schemeClr val="tx1"/>
+              </a:solidFill>
+            </a:endParaRPr>
+          </a:p>
+        </p:txBody>
+      </p:sp>
+      <p:sp>
+        <p:nvSpPr>
+          <p:cNvPr id="8" name="Rectangle 7"/>
+          <p:cNvSpPr/>
+          <p:nvPr/>
+        </p:nvSpPr>
+        <p:spPr>
+          <a:xfrm>
+            <a:off x="1547664" y="1556792"/>
+            <a:ext cx="576064" cy="288032"/>
+          </a:xfrm>
+          <a:prstGeom prst="rect">
+            <a:avLst/>
+          </a:prstGeom>
+          <a:solidFill>
+            <a:schemeClr val="bg1">
+              <a:alpha val="81000"/>
+            </a:schemeClr>
+          </a:solidFill>
+          <a:ln>
+            <a:solidFill>
+              <a:schemeClr val="tx1"/>
+            </a:solidFill>
+          </a:ln>
+        </p:spPr>
+        <p:style>
+          <a:lnRef idx="2">
+            <a:schemeClr val="accent1">
+              <a:shade val="50000"/>
+            </a:schemeClr>
+          </a:lnRef>
+          <a:fillRef idx="1">
+            <a:schemeClr val="accent1"/>
+          </a:fillRef>
+          <a:effectRef idx="0">
+            <a:schemeClr val="accent1"/>
+          </a:effectRef>
+          <a:fontRef idx="minor">
+            <a:schemeClr val="lt1"/>
+          </a:fontRef>
+        </p:style>
+        <p:txBody>
+          <a:bodyPr rtlCol="0" anchor="ctr"/>
+          <a:lstStyle/>
+          <a:p>
+            <a:pPr algn="ctr"/>
+            <a:r>
+              <a:rPr lang="en-AU" sz="800" dirty="0" smtClean="0">
+                <a:solidFill>
+                  <a:schemeClr val="tx1"/>
+                </a:solidFill>
+              </a:rPr>
+              <a:t>Initial planning</a:t>
+            </a:r>
+            <a:endParaRPr lang="en-AU" sz="800" dirty="0">
+              <a:solidFill>
+                <a:schemeClr val="tx1"/>
+              </a:solidFill>
+            </a:endParaRPr>
+          </a:p>
+        </p:txBody>
+      </p:sp>
+      <p:sp>
+        <p:nvSpPr>
+          <p:cNvPr id="9" name="Rectangle 8"/>
+          <p:cNvSpPr/>
+          <p:nvPr/>
+        </p:nvSpPr>
+        <p:spPr>
+          <a:xfrm>
+            <a:off x="1691680" y="1916832"/>
+            <a:ext cx="720080" cy="288032"/>
+          </a:xfrm>
+          <a:prstGeom prst="rect">
+            <a:avLst/>
+          </a:prstGeom>
+          <a:solidFill>
+            <a:schemeClr val="bg1">
+              <a:alpha val="81000"/>
+            </a:schemeClr>
+          </a:solidFill>
+          <a:ln>
+            <a:solidFill>
+              <a:schemeClr val="tx1"/>
+            </a:solidFill>
+          </a:ln>
+        </p:spPr>
+        <p:style>
+          <a:lnRef idx="2">
+            <a:schemeClr val="accent1">
+              <a:shade val="50000"/>
+            </a:schemeClr>
+          </a:lnRef>
+          <a:fillRef idx="1">
+            <a:schemeClr val="accent1"/>
+          </a:fillRef>
+          <a:effectRef idx="0">
+            <a:schemeClr val="accent1"/>
+          </a:effectRef>
+          <a:fontRef idx="minor">
+            <a:schemeClr val="lt1"/>
+          </a:fontRef>
+        </p:style>
+        <p:txBody>
+          <a:bodyPr rtlCol="0" anchor="ctr"/>
+          <a:lstStyle/>
+          <a:p>
+            <a:pPr algn="ctr"/>
+            <a:r>
+              <a:rPr lang="en-AU" sz="800" dirty="0" smtClean="0">
+                <a:solidFill>
+                  <a:schemeClr val="tx1"/>
+                </a:solidFill>
+              </a:rPr>
+              <a:t>Program Specification</a:t>
+            </a:r>
+            <a:endParaRPr lang="en-AU" sz="800" dirty="0">
+              <a:solidFill>
+                <a:schemeClr val="tx1"/>
+              </a:solidFill>
+            </a:endParaRPr>
+          </a:p>
+        </p:txBody>
+      </p:sp>
+      <p:sp>
+        <p:nvSpPr>
+          <p:cNvPr id="10" name="Rectangle 9"/>
+          <p:cNvSpPr/>
+          <p:nvPr/>
+        </p:nvSpPr>
+        <p:spPr>
+          <a:xfrm>
+            <a:off x="1403648" y="2852936"/>
+            <a:ext cx="7632848" cy="144016"/>
+          </a:xfrm>
+          <a:prstGeom prst="rect">
+            <a:avLst/>
+          </a:prstGeom>
+          <a:solidFill>
+            <a:schemeClr val="bg1">
+              <a:alpha val="81000"/>
+            </a:schemeClr>
+          </a:solidFill>
+          <a:ln>
+            <a:solidFill>
+              <a:schemeClr val="tx1"/>
+            </a:solidFill>
+          </a:ln>
+        </p:spPr>
+        <p:style>
+          <a:lnRef idx="2">
+            <a:schemeClr val="accent1">
+              <a:shade val="50000"/>
+            </a:schemeClr>
+          </a:lnRef>
+          <a:fillRef idx="1">
+            <a:schemeClr val="accent1"/>
+          </a:fillRef>
+          <a:effectRef idx="0">
+            <a:schemeClr val="accent1"/>
+          </a:effectRef>
+          <a:fontRef idx="minor">
+            <a:schemeClr val="lt1"/>
+          </a:fontRef>
+        </p:style>
+        <p:txBody>
+          <a:bodyPr rtlCol="0" anchor="ctr"/>
+          <a:lstStyle/>
+          <a:p>
+            <a:pPr algn="ctr"/>
+            <a:r>
+              <a:rPr lang="en-AU" sz="800" dirty="0" smtClean="0">
+                <a:solidFill>
+                  <a:schemeClr val="tx1"/>
+                </a:solidFill>
+              </a:rPr>
+              <a:t>Progress Log</a:t>
+            </a:r>
+            <a:endParaRPr lang="en-AU" sz="800" dirty="0">
+              <a:solidFill>
+                <a:schemeClr val="tx1"/>
+              </a:solidFill>
+            </a:endParaRPr>
+          </a:p>
+        </p:txBody>
+      </p:sp>
+      <p:sp>
+        <p:nvSpPr>
+          <p:cNvPr id="11" name="Rectangle 10"/>
+          <p:cNvSpPr/>
+          <p:nvPr/>
+        </p:nvSpPr>
+        <p:spPr>
+          <a:xfrm>
+            <a:off x="5868144" y="2420888"/>
+            <a:ext cx="1656184" cy="144016"/>
+          </a:xfrm>
+          <a:prstGeom prst="rect">
+            <a:avLst/>
+          </a:prstGeom>
+          <a:solidFill>
+            <a:schemeClr val="bg1">
+              <a:alpha val="81000"/>
+            </a:schemeClr>
+          </a:solidFill>
+          <a:ln>
+            <a:solidFill>
+              <a:schemeClr val="tx1"/>
+            </a:solidFill>
+          </a:ln>
+        </p:spPr>
+        <p:style>
+          <a:lnRef idx="2">
+            <a:schemeClr val="accent1">
+              <a:shade val="50000"/>
+            </a:schemeClr>
+          </a:lnRef>
+          <a:fillRef idx="1">
+            <a:schemeClr val="accent1"/>
+          </a:fillRef>
+          <a:effectRef idx="0">
+            <a:schemeClr val="accent1"/>
+          </a:effectRef>
+          <a:fontRef idx="minor">
+            <a:schemeClr val="lt1"/>
+          </a:fontRef>
+        </p:style>
+        <p:txBody>
+          <a:bodyPr rtlCol="0" anchor="ctr"/>
+          <a:lstStyle/>
+          <a:p>
+            <a:pPr algn="ctr"/>
+            <a:r>
+              <a:rPr lang="en-AU" sz="800" dirty="0" smtClean="0">
+                <a:solidFill>
+                  <a:schemeClr val="tx1"/>
+                </a:solidFill>
+              </a:rPr>
+              <a:t>Final Architectural documentation</a:t>
+            </a:r>
+            <a:endParaRPr lang="en-AU" sz="800" dirty="0">
+              <a:solidFill>
+                <a:schemeClr val="tx1"/>
+              </a:solidFill>
+            </a:endParaRPr>
+          </a:p>
+        </p:txBody>
+      </p:sp>
+      <p:sp>
+        <p:nvSpPr>
+          <p:cNvPr id="12" name="Rectangle 11"/>
+          <p:cNvSpPr/>
+          <p:nvPr/>
+        </p:nvSpPr>
+        <p:spPr>
+          <a:xfrm>
+            <a:off x="1403648" y="2276872"/>
+            <a:ext cx="1008112" cy="288032"/>
+          </a:xfrm>
+          <a:prstGeom prst="rect">
+            <a:avLst/>
+          </a:prstGeom>
+          <a:solidFill>
+            <a:schemeClr val="bg1">
+              <a:alpha val="81000"/>
+            </a:schemeClr>
+          </a:solidFill>
+          <a:ln>
+            <a:solidFill>
+              <a:schemeClr val="tx1"/>
+            </a:solidFill>
+          </a:ln>
+        </p:spPr>
+        <p:style>
+          <a:lnRef idx="2">
+            <a:schemeClr val="accent1">
+              <a:shade val="50000"/>
+            </a:schemeClr>
+          </a:lnRef>
+          <a:fillRef idx="1">
+            <a:schemeClr val="accent1"/>
+          </a:fillRef>
+          <a:effectRef idx="0">
+            <a:schemeClr val="accent1"/>
+          </a:effectRef>
+          <a:fontRef idx="minor">
+            <a:schemeClr val="lt1"/>
+          </a:fontRef>
+        </p:style>
+        <p:txBody>
+          <a:bodyPr rtlCol="0" anchor="ctr"/>
+          <a:lstStyle/>
+          <a:p>
+            <a:pPr algn="ctr"/>
+            <a:r>
+              <a:rPr lang="en-AU" sz="800" dirty="0" smtClean="0">
+                <a:solidFill>
+                  <a:schemeClr val="tx1"/>
+                </a:solidFill>
+              </a:rPr>
+              <a:t>Initial Architectural documentation</a:t>
+            </a:r>
+            <a:endParaRPr lang="en-AU" sz="800" dirty="0">
+              <a:solidFill>
+                <a:schemeClr val="tx1"/>
+              </a:solidFill>
+            </a:endParaRPr>
+          </a:p>
+        </p:txBody>
+      </p:sp>
+      <p:sp>
+        <p:nvSpPr>
+          <p:cNvPr id="13" name="Rectangle 12"/>
+          <p:cNvSpPr/>
+          <p:nvPr/>
+        </p:nvSpPr>
+        <p:spPr>
+          <a:xfrm>
+            <a:off x="7740352" y="2636912"/>
+            <a:ext cx="936104" cy="144016"/>
+          </a:xfrm>
+          <a:prstGeom prst="rect">
+            <a:avLst/>
+          </a:prstGeom>
+          <a:solidFill>
+            <a:schemeClr val="bg1">
+              <a:alpha val="81000"/>
+            </a:schemeClr>
+          </a:solidFill>
+          <a:ln>
+            <a:solidFill>
+              <a:schemeClr val="tx1"/>
+            </a:solidFill>
+          </a:ln>
+        </p:spPr>
+        <p:style>
+          <a:lnRef idx="2">
+            <a:schemeClr val="accent1">
+              <a:shade val="50000"/>
+            </a:schemeClr>
+          </a:lnRef>
+          <a:fillRef idx="1">
+            <a:schemeClr val="accent1"/>
+          </a:fillRef>
+          <a:effectRef idx="0">
+            <a:schemeClr val="accent1"/>
+          </a:effectRef>
+          <a:fontRef idx="minor">
+            <a:schemeClr val="lt1"/>
+          </a:fontRef>
+        </p:style>
+        <p:txBody>
+          <a:bodyPr rtlCol="0" anchor="ctr"/>
+          <a:lstStyle/>
+          <a:p>
+            <a:pPr algn="ctr"/>
+            <a:r>
+              <a:rPr lang="en-AU" sz="800" dirty="0" smtClean="0">
+                <a:solidFill>
+                  <a:schemeClr val="tx1"/>
+                </a:solidFill>
+              </a:rPr>
+              <a:t>Evaluation</a:t>
+            </a:r>
+            <a:endParaRPr lang="en-AU" sz="800" dirty="0">
+              <a:solidFill>
+                <a:schemeClr val="tx1"/>
+              </a:solidFill>
+            </a:endParaRPr>
+          </a:p>
+        </p:txBody>
+      </p:sp>
+      <p:sp>
+        <p:nvSpPr>
+          <p:cNvPr id="14" name="Rectangle 13"/>
+          <p:cNvSpPr/>
+          <p:nvPr/>
+        </p:nvSpPr>
+        <p:spPr>
+          <a:xfrm>
+            <a:off x="1907704" y="4725144"/>
+            <a:ext cx="5616624" cy="144016"/>
+          </a:xfrm>
+          <a:prstGeom prst="rect">
+            <a:avLst/>
+          </a:prstGeom>
+          <a:solidFill>
+            <a:schemeClr val="bg1">
+              <a:alpha val="81000"/>
+            </a:schemeClr>
+          </a:solidFill>
+          <a:ln>
+            <a:solidFill>
+              <a:schemeClr val="tx1"/>
+            </a:solidFill>
+          </a:ln>
+        </p:spPr>
+        <p:style>
+          <a:lnRef idx="2">
+            <a:schemeClr val="accent1">
+              <a:shade val="50000"/>
+            </a:schemeClr>
+          </a:lnRef>
+          <a:fillRef idx="1">
+            <a:schemeClr val="accent1"/>
+          </a:fillRef>
+          <a:effectRef idx="0">
+            <a:schemeClr val="accent1"/>
+          </a:effectRef>
+          <a:fontRef idx="minor">
+            <a:schemeClr val="lt1"/>
+          </a:fontRef>
+        </p:style>
+        <p:txBody>
+          <a:bodyPr rtlCol="0" anchor="ctr"/>
+          <a:lstStyle/>
+          <a:p>
+            <a:pPr algn="ctr"/>
+            <a:r>
+              <a:rPr lang="en-AU" sz="800" dirty="0" smtClean="0">
+                <a:solidFill>
+                  <a:schemeClr val="tx1"/>
+                </a:solidFill>
+              </a:rPr>
+              <a:t>Concept prototypes, technique efficiency evaluations</a:t>
+            </a:r>
+            <a:endParaRPr lang="en-AU" sz="800" dirty="0">
+              <a:solidFill>
+                <a:schemeClr val="tx1"/>
+              </a:solidFill>
+            </a:endParaRPr>
+          </a:p>
+        </p:txBody>
+      </p:sp>
+      <p:sp>
+        <p:nvSpPr>
+          <p:cNvPr id="15" name="Rectangle 14"/>
+          <p:cNvSpPr/>
+          <p:nvPr/>
+        </p:nvSpPr>
+        <p:spPr>
+          <a:xfrm>
+            <a:off x="1403648" y="3140968"/>
+            <a:ext cx="792088" cy="288032"/>
+          </a:xfrm>
+          <a:prstGeom prst="rect">
+            <a:avLst/>
+          </a:prstGeom>
+          <a:solidFill>
+            <a:schemeClr val="bg1">
+              <a:alpha val="81000"/>
+            </a:schemeClr>
+          </a:solidFill>
+          <a:ln>
+            <a:solidFill>
+              <a:schemeClr val="tx1"/>
+            </a:solidFill>
+          </a:ln>
+        </p:spPr>
+        <p:style>
+          <a:lnRef idx="2">
+            <a:schemeClr val="accent1">
+              <a:shade val="50000"/>
+            </a:schemeClr>
+          </a:lnRef>
+          <a:fillRef idx="1">
+            <a:schemeClr val="accent1"/>
+          </a:fillRef>
+          <a:effectRef idx="0">
+            <a:schemeClr val="accent1"/>
+          </a:effectRef>
+          <a:fontRef idx="minor">
+            <a:schemeClr val="lt1"/>
+          </a:fontRef>
+        </p:style>
+        <p:txBody>
+          <a:bodyPr rtlCol="0" anchor="ctr"/>
+          <a:lstStyle/>
+          <a:p>
+            <a:pPr algn="ctr"/>
+            <a:r>
+              <a:rPr lang="en-AU" sz="800" dirty="0" smtClean="0">
+                <a:solidFill>
+                  <a:schemeClr val="tx1"/>
+                </a:solidFill>
+              </a:rPr>
+              <a:t>Engine restructuring</a:t>
+            </a:r>
+            <a:endParaRPr lang="en-AU" sz="800" dirty="0">
+              <a:solidFill>
+                <a:schemeClr val="tx1"/>
+              </a:solidFill>
+            </a:endParaRPr>
+          </a:p>
+        </p:txBody>
+      </p:sp>
+      <p:sp>
+        <p:nvSpPr>
+          <p:cNvPr id="16" name="Rectangle 15"/>
+          <p:cNvSpPr/>
+          <p:nvPr/>
+        </p:nvSpPr>
+        <p:spPr>
+          <a:xfrm>
+            <a:off x="4211960" y="4077072"/>
+            <a:ext cx="2088232" cy="144016"/>
+          </a:xfrm>
+          <a:prstGeom prst="rect">
+            <a:avLst/>
+          </a:prstGeom>
+          <a:solidFill>
+            <a:schemeClr val="bg1">
+              <a:alpha val="81000"/>
+            </a:schemeClr>
+          </a:solidFill>
+          <a:ln>
+            <a:solidFill>
+              <a:schemeClr val="tx1"/>
+            </a:solidFill>
+          </a:ln>
+        </p:spPr>
+        <p:style>
+          <a:lnRef idx="2">
+            <a:schemeClr val="accent1">
+              <a:shade val="50000"/>
+            </a:schemeClr>
+          </a:lnRef>
+          <a:fillRef idx="1">
+            <a:schemeClr val="accent1"/>
+          </a:fillRef>
+          <a:effectRef idx="0">
+            <a:schemeClr val="accent1"/>
+          </a:effectRef>
+          <a:fontRef idx="minor">
+            <a:schemeClr val="lt1"/>
+          </a:fontRef>
+        </p:style>
+        <p:txBody>
+          <a:bodyPr rtlCol="0" anchor="ctr"/>
+          <a:lstStyle/>
+          <a:p>
+            <a:pPr algn="ctr"/>
+            <a:r>
+              <a:rPr lang="en-AU" sz="800" dirty="0">
+                <a:solidFill>
+                  <a:schemeClr val="tx1"/>
+                </a:solidFill>
+              </a:rPr>
+              <a:t>S</a:t>
+            </a:r>
+            <a:r>
+              <a:rPr lang="en-AU" sz="800" dirty="0" smtClean="0">
+                <a:solidFill>
+                  <a:schemeClr val="tx1"/>
+                </a:solidFill>
+              </a:rPr>
+              <a:t>pecific, </a:t>
+            </a:r>
+            <a:r>
+              <a:rPr lang="en-AU" sz="800" dirty="0" err="1" smtClean="0">
+                <a:solidFill>
+                  <a:schemeClr val="tx1"/>
+                </a:solidFill>
+              </a:rPr>
+              <a:t>forseen</a:t>
+            </a:r>
+            <a:r>
+              <a:rPr lang="en-AU" sz="800" dirty="0" smtClean="0">
+                <a:solidFill>
+                  <a:schemeClr val="tx1"/>
+                </a:solidFill>
+              </a:rPr>
+              <a:t> features</a:t>
+            </a:r>
+            <a:endParaRPr lang="en-AU" sz="800" dirty="0">
+              <a:solidFill>
+                <a:schemeClr val="tx1"/>
+              </a:solidFill>
+            </a:endParaRPr>
+          </a:p>
+        </p:txBody>
+      </p:sp>
+      <p:sp>
+        <p:nvSpPr>
+          <p:cNvPr id="17" name="Rectangle 16"/>
+          <p:cNvSpPr/>
+          <p:nvPr/>
+        </p:nvSpPr>
+        <p:spPr>
+          <a:xfrm>
+            <a:off x="4427984" y="4293096"/>
+            <a:ext cx="2088232" cy="144016"/>
+          </a:xfrm>
+          <a:prstGeom prst="rect">
+            <a:avLst/>
+          </a:prstGeom>
+          <a:solidFill>
+            <a:schemeClr val="bg1">
+              <a:alpha val="81000"/>
+            </a:schemeClr>
+          </a:solidFill>
+          <a:ln>
+            <a:solidFill>
+              <a:schemeClr val="tx1"/>
+            </a:solidFill>
+          </a:ln>
+        </p:spPr>
+        <p:style>
+          <a:lnRef idx="2">
+            <a:schemeClr val="accent1">
+              <a:shade val="50000"/>
+            </a:schemeClr>
+          </a:lnRef>
+          <a:fillRef idx="1">
+            <a:schemeClr val="accent1"/>
+          </a:fillRef>
+          <a:effectRef idx="0">
+            <a:schemeClr val="accent1"/>
+          </a:effectRef>
+          <a:fontRef idx="minor">
+            <a:schemeClr val="lt1"/>
+          </a:fontRef>
+        </p:style>
+        <p:txBody>
+          <a:bodyPr rtlCol="0" anchor="ctr"/>
+          <a:lstStyle/>
+          <a:p>
+            <a:pPr algn="ctr"/>
+            <a:r>
+              <a:rPr lang="en-AU" sz="800" dirty="0">
+                <a:solidFill>
+                  <a:schemeClr val="tx1"/>
+                </a:solidFill>
+              </a:rPr>
+              <a:t>A</a:t>
+            </a:r>
+            <a:r>
+              <a:rPr lang="en-AU" sz="800" dirty="0" smtClean="0">
+                <a:solidFill>
+                  <a:schemeClr val="tx1"/>
+                </a:solidFill>
+              </a:rPr>
+              <a:t>dditional features</a:t>
+            </a:r>
+            <a:endParaRPr lang="en-AU" sz="800" dirty="0">
+              <a:solidFill>
+                <a:schemeClr val="tx1"/>
+              </a:solidFill>
+            </a:endParaRPr>
+          </a:p>
+        </p:txBody>
+      </p:sp>
+      <p:sp>
+        <p:nvSpPr>
+          <p:cNvPr id="18" name="Rectangle 17"/>
+          <p:cNvSpPr/>
+          <p:nvPr/>
+        </p:nvSpPr>
+        <p:spPr>
+          <a:xfrm>
+            <a:off x="3563888" y="3501008"/>
+            <a:ext cx="1656184" cy="288032"/>
+          </a:xfrm>
+          <a:prstGeom prst="rect">
+            <a:avLst/>
+          </a:prstGeom>
+          <a:solidFill>
+            <a:schemeClr val="bg1">
+              <a:alpha val="81000"/>
+            </a:schemeClr>
+          </a:solidFill>
+          <a:ln>
+            <a:solidFill>
+              <a:schemeClr val="tx1"/>
+            </a:solidFill>
+          </a:ln>
+        </p:spPr>
+        <p:style>
+          <a:lnRef idx="2">
+            <a:schemeClr val="accent1">
+              <a:shade val="50000"/>
+            </a:schemeClr>
+          </a:lnRef>
+          <a:fillRef idx="1">
+            <a:schemeClr val="accent1"/>
+          </a:fillRef>
+          <a:effectRef idx="0">
+            <a:schemeClr val="accent1"/>
+          </a:effectRef>
+          <a:fontRef idx="minor">
+            <a:schemeClr val="lt1"/>
+          </a:fontRef>
+        </p:style>
+        <p:txBody>
+          <a:bodyPr rtlCol="0" anchor="ctr"/>
+          <a:lstStyle/>
+          <a:p>
+            <a:pPr algn="ctr"/>
+            <a:r>
+              <a:rPr lang="en-AU" sz="800" dirty="0" smtClean="0">
+                <a:solidFill>
+                  <a:schemeClr val="tx1"/>
+                </a:solidFill>
+              </a:rPr>
+              <a:t>Core required logic</a:t>
+            </a:r>
+            <a:endParaRPr lang="en-AU" sz="800" dirty="0">
+              <a:solidFill>
+                <a:schemeClr val="tx1"/>
+              </a:solidFill>
+            </a:endParaRPr>
+          </a:p>
+        </p:txBody>
+      </p:sp>
+      <p:sp>
+        <p:nvSpPr>
+          <p:cNvPr id="19" name="Rectangle 18"/>
+          <p:cNvSpPr/>
+          <p:nvPr/>
+        </p:nvSpPr>
+        <p:spPr>
+          <a:xfrm>
+            <a:off x="4572000" y="3861048"/>
+            <a:ext cx="792088" cy="144016"/>
+          </a:xfrm>
+          <a:prstGeom prst="rect">
+            <a:avLst/>
+          </a:prstGeom>
+          <a:solidFill>
+            <a:schemeClr val="bg1">
+              <a:alpha val="81000"/>
+            </a:schemeClr>
+          </a:solidFill>
+          <a:ln>
+            <a:solidFill>
+              <a:schemeClr val="tx1"/>
+            </a:solidFill>
+          </a:ln>
+        </p:spPr>
+        <p:style>
+          <a:lnRef idx="2">
+            <a:schemeClr val="accent1">
+              <a:shade val="50000"/>
+            </a:schemeClr>
+          </a:lnRef>
+          <a:fillRef idx="1">
+            <a:schemeClr val="accent1"/>
+          </a:fillRef>
+          <a:effectRef idx="0">
+            <a:schemeClr val="accent1"/>
+          </a:effectRef>
+          <a:fontRef idx="minor">
+            <a:schemeClr val="lt1"/>
+          </a:fontRef>
+        </p:style>
+        <p:txBody>
+          <a:bodyPr rtlCol="0" anchor="ctr"/>
+          <a:lstStyle/>
+          <a:p>
+            <a:pPr algn="ctr"/>
+            <a:r>
+              <a:rPr lang="en-AU" sz="800" dirty="0" smtClean="0">
+                <a:solidFill>
+                  <a:schemeClr val="tx1"/>
+                </a:solidFill>
+              </a:rPr>
+              <a:t>Core testing</a:t>
+            </a:r>
+            <a:endParaRPr lang="en-AU" sz="800" dirty="0">
+              <a:solidFill>
+                <a:schemeClr val="tx1"/>
+              </a:solidFill>
+            </a:endParaRPr>
+          </a:p>
+        </p:txBody>
+      </p:sp>
+      <p:sp>
+        <p:nvSpPr>
+          <p:cNvPr id="20" name="Rectangle 19"/>
+          <p:cNvSpPr/>
+          <p:nvPr/>
+        </p:nvSpPr>
+        <p:spPr>
+          <a:xfrm>
+            <a:off x="6804248" y="4509120"/>
+            <a:ext cx="792088" cy="144016"/>
+          </a:xfrm>
+          <a:prstGeom prst="rect">
+            <a:avLst/>
+          </a:prstGeom>
+          <a:solidFill>
+            <a:schemeClr val="bg1">
+              <a:alpha val="81000"/>
+            </a:schemeClr>
+          </a:solidFill>
+          <a:ln>
+            <a:solidFill>
+              <a:schemeClr val="tx1"/>
+            </a:solidFill>
+          </a:ln>
+        </p:spPr>
+        <p:style>
+          <a:lnRef idx="2">
+            <a:schemeClr val="accent1">
+              <a:shade val="50000"/>
+            </a:schemeClr>
+          </a:lnRef>
+          <a:fillRef idx="1">
+            <a:schemeClr val="accent1"/>
+          </a:fillRef>
+          <a:effectRef idx="0">
+            <a:schemeClr val="accent1"/>
+          </a:effectRef>
+          <a:fontRef idx="minor">
+            <a:schemeClr val="lt1"/>
+          </a:fontRef>
+        </p:style>
+        <p:txBody>
+          <a:bodyPr rtlCol="0" anchor="ctr"/>
+          <a:lstStyle/>
+          <a:p>
+            <a:pPr algn="ctr"/>
+            <a:r>
+              <a:rPr lang="en-AU" sz="800" dirty="0" smtClean="0">
+                <a:solidFill>
+                  <a:schemeClr val="tx1"/>
+                </a:solidFill>
+              </a:rPr>
+              <a:t>Final testing</a:t>
+            </a:r>
+            <a:endParaRPr lang="en-AU" sz="800" dirty="0">
+              <a:solidFill>
+                <a:schemeClr val="tx1"/>
+              </a:solidFill>
+            </a:endParaRPr>
+          </a:p>
+        </p:txBody>
+      </p:sp>
+      <p:sp>
+        <p:nvSpPr>
+          <p:cNvPr id="21" name="Rectangle 20"/>
+          <p:cNvSpPr/>
+          <p:nvPr/>
+        </p:nvSpPr>
+        <p:spPr>
+          <a:xfrm>
+            <a:off x="1907704" y="5157192"/>
+            <a:ext cx="2520280" cy="216024"/>
+          </a:xfrm>
+          <a:prstGeom prst="rect">
+            <a:avLst/>
+          </a:prstGeom>
+          <a:solidFill>
+            <a:schemeClr val="bg1">
+              <a:alpha val="81000"/>
+            </a:schemeClr>
+          </a:solidFill>
+          <a:ln>
+            <a:solidFill>
+              <a:schemeClr val="tx1"/>
+            </a:solidFill>
+          </a:ln>
+        </p:spPr>
+        <p:style>
+          <a:lnRef idx="2">
+            <a:schemeClr val="accent1">
+              <a:shade val="50000"/>
+            </a:schemeClr>
+          </a:lnRef>
+          <a:fillRef idx="1">
+            <a:schemeClr val="accent1"/>
+          </a:fillRef>
+          <a:effectRef idx="0">
+            <a:schemeClr val="accent1"/>
+          </a:effectRef>
+          <a:fontRef idx="minor">
+            <a:schemeClr val="lt1"/>
+          </a:fontRef>
+        </p:style>
+        <p:txBody>
+          <a:bodyPr rtlCol="0" anchor="ctr"/>
+          <a:lstStyle/>
+          <a:p>
+            <a:pPr algn="ctr"/>
+            <a:r>
+              <a:rPr lang="en-AU" sz="800" dirty="0" smtClean="0">
+                <a:solidFill>
+                  <a:schemeClr val="tx1"/>
+                </a:solidFill>
+              </a:rPr>
+              <a:t>Placeholder artwork purely for logic testing</a:t>
+            </a:r>
+            <a:endParaRPr lang="en-AU" sz="800" dirty="0">
+              <a:solidFill>
+                <a:schemeClr val="tx1"/>
+              </a:solidFill>
+            </a:endParaRPr>
+          </a:p>
+        </p:txBody>
+      </p:sp>
+      <p:sp>
+        <p:nvSpPr>
+          <p:cNvPr id="22" name="Rectangle 21"/>
+          <p:cNvSpPr/>
+          <p:nvPr/>
+        </p:nvSpPr>
+        <p:spPr>
+          <a:xfrm>
+            <a:off x="3707904" y="5445224"/>
+            <a:ext cx="3312368" cy="216024"/>
+          </a:xfrm>
+          <a:prstGeom prst="rect">
+            <a:avLst/>
+          </a:prstGeom>
+          <a:solidFill>
+            <a:schemeClr val="bg1">
+              <a:alpha val="81000"/>
+            </a:schemeClr>
+          </a:solidFill>
+          <a:ln>
+            <a:solidFill>
+              <a:schemeClr val="tx1"/>
+            </a:solidFill>
+          </a:ln>
+        </p:spPr>
+        <p:style>
+          <a:lnRef idx="2">
+            <a:schemeClr val="accent1">
+              <a:shade val="50000"/>
+            </a:schemeClr>
+          </a:lnRef>
+          <a:fillRef idx="1">
+            <a:schemeClr val="accent1"/>
+          </a:fillRef>
+          <a:effectRef idx="0">
+            <a:schemeClr val="accent1"/>
+          </a:effectRef>
+          <a:fontRef idx="minor">
+            <a:schemeClr val="lt1"/>
+          </a:fontRef>
+        </p:style>
+        <p:txBody>
+          <a:bodyPr rtlCol="0" anchor="ctr"/>
+          <a:lstStyle/>
+          <a:p>
+            <a:pPr algn="ctr"/>
+            <a:r>
+              <a:rPr lang="en-AU" sz="800" dirty="0" smtClean="0">
+                <a:solidFill>
+                  <a:schemeClr val="tx1"/>
+                </a:solidFill>
+              </a:rPr>
+              <a:t>Digitally painted sprites</a:t>
+            </a:r>
+            <a:endParaRPr lang="en-AU" sz="800" dirty="0">
+              <a:solidFill>
+                <a:schemeClr val="tx1"/>
+              </a:solidFill>
+            </a:endParaRPr>
+          </a:p>
+        </p:txBody>
+      </p:sp>
+      <p:sp>
+        <p:nvSpPr>
+          <p:cNvPr id="23" name="Rectangle 22"/>
+          <p:cNvSpPr/>
+          <p:nvPr/>
+        </p:nvSpPr>
+        <p:spPr>
+          <a:xfrm>
+            <a:off x="3851920" y="5733256"/>
+            <a:ext cx="3384376" cy="216024"/>
+          </a:xfrm>
+          <a:prstGeom prst="rect">
+            <a:avLst/>
+          </a:prstGeom>
+          <a:solidFill>
+            <a:schemeClr val="bg1">
+              <a:alpha val="81000"/>
+            </a:schemeClr>
+          </a:solidFill>
+          <a:ln>
+            <a:solidFill>
+              <a:schemeClr val="tx1"/>
+            </a:solidFill>
+          </a:ln>
+        </p:spPr>
+        <p:style>
+          <a:lnRef idx="2">
+            <a:schemeClr val="accent1">
+              <a:shade val="50000"/>
+            </a:schemeClr>
+          </a:lnRef>
+          <a:fillRef idx="1">
+            <a:schemeClr val="accent1"/>
+          </a:fillRef>
+          <a:effectRef idx="0">
+            <a:schemeClr val="accent1"/>
+          </a:effectRef>
+          <a:fontRef idx="minor">
+            <a:schemeClr val="lt1"/>
+          </a:fontRef>
+        </p:style>
+        <p:txBody>
+          <a:bodyPr rtlCol="0" anchor="ctr"/>
+          <a:lstStyle/>
+          <a:p>
+            <a:pPr algn="ctr"/>
+            <a:r>
+              <a:rPr lang="en-AU" sz="800" dirty="0" smtClean="0">
+                <a:solidFill>
+                  <a:schemeClr val="tx1"/>
+                </a:solidFill>
+              </a:rPr>
+              <a:t>Original music/ambience composition</a:t>
+            </a:r>
+            <a:endParaRPr lang="en-AU" sz="800" dirty="0">
+              <a:solidFill>
+                <a:schemeClr val="tx1"/>
+              </a:solidFill>
+            </a:endParaRPr>
+          </a:p>
+        </p:txBody>
+      </p:sp>
+      <p:sp>
+        <p:nvSpPr>
+          <p:cNvPr id="24" name="Rectangle 23"/>
+          <p:cNvSpPr/>
+          <p:nvPr/>
+        </p:nvSpPr>
+        <p:spPr>
+          <a:xfrm>
+            <a:off x="3563888" y="6021288"/>
+            <a:ext cx="3888432" cy="216024"/>
+          </a:xfrm>
+          <a:prstGeom prst="rect">
+            <a:avLst/>
+          </a:prstGeom>
+          <a:solidFill>
+            <a:schemeClr val="bg1">
+              <a:alpha val="81000"/>
+            </a:schemeClr>
+          </a:solidFill>
+          <a:ln>
+            <a:solidFill>
+              <a:schemeClr val="tx1"/>
+            </a:solidFill>
+          </a:ln>
+        </p:spPr>
+        <p:style>
+          <a:lnRef idx="2">
+            <a:schemeClr val="accent1">
+              <a:shade val="50000"/>
+            </a:schemeClr>
+          </a:lnRef>
+          <a:fillRef idx="1">
+            <a:schemeClr val="accent1"/>
+          </a:fillRef>
+          <a:effectRef idx="0">
+            <a:schemeClr val="accent1"/>
+          </a:effectRef>
+          <a:fontRef idx="minor">
+            <a:schemeClr val="lt1"/>
+          </a:fontRef>
+        </p:style>
+        <p:txBody>
+          <a:bodyPr rtlCol="0" anchor="ctr"/>
+          <a:lstStyle/>
+          <a:p>
+            <a:pPr algn="ctr"/>
+            <a:r>
+              <a:rPr lang="en-AU" sz="800" dirty="0" smtClean="0">
+                <a:solidFill>
+                  <a:schemeClr val="tx1"/>
+                </a:solidFill>
+              </a:rPr>
+              <a:t>Game entity logic , scripts(Enemies, pickups)</a:t>
+            </a:r>
+            <a:endParaRPr lang="en-AU" sz="800" dirty="0">
+              <a:solidFill>
+                <a:schemeClr val="tx1"/>
+              </a:solidFill>
+            </a:endParaRPr>
+          </a:p>
+        </p:txBody>
+      </p:sp>
+      <p:sp>
+        <p:nvSpPr>
+          <p:cNvPr id="25" name="Rectangle 24"/>
+          <p:cNvSpPr/>
+          <p:nvPr/>
+        </p:nvSpPr>
+        <p:spPr>
+          <a:xfrm>
+            <a:off x="4139952" y="6309320"/>
+            <a:ext cx="1296144" cy="216024"/>
+          </a:xfrm>
+          <a:prstGeom prst="rect">
+            <a:avLst/>
+          </a:prstGeom>
+          <a:solidFill>
+            <a:schemeClr val="bg1">
+              <a:alpha val="81000"/>
+            </a:schemeClr>
+          </a:solidFill>
+          <a:ln>
+            <a:solidFill>
+              <a:schemeClr val="tx1"/>
+            </a:solidFill>
+          </a:ln>
+        </p:spPr>
+        <p:style>
+          <a:lnRef idx="2">
+            <a:schemeClr val="accent1">
+              <a:shade val="50000"/>
+            </a:schemeClr>
+          </a:lnRef>
+          <a:fillRef idx="1">
+            <a:schemeClr val="accent1"/>
+          </a:fillRef>
+          <a:effectRef idx="0">
+            <a:schemeClr val="accent1"/>
+          </a:effectRef>
+          <a:fontRef idx="minor">
+            <a:schemeClr val="lt1"/>
+          </a:fontRef>
+        </p:style>
+        <p:txBody>
+          <a:bodyPr rtlCol="0" anchor="ctr"/>
+          <a:lstStyle/>
+          <a:p>
+            <a:pPr algn="ctr"/>
+            <a:r>
+              <a:rPr lang="en-AU" sz="800" dirty="0" smtClean="0">
+                <a:solidFill>
+                  <a:schemeClr val="tx1"/>
+                </a:solidFill>
+              </a:rPr>
+              <a:t>Increase modification ease</a:t>
+            </a:r>
+            <a:endParaRPr lang="en-AU" sz="800" dirty="0">
+              <a:solidFill>
+                <a:schemeClr val="tx1"/>
+              </a:solidFill>
+            </a:endParaRPr>
+          </a:p>
+        </p:txBody>
+      </p:sp>
+    </p:spTree>
+  </p:cSld>
+  <p:clrMapOvr>
+    <a:masterClrMapping/>
+  </p:clrMapOvr>
+  <p:timing>
+    <p:tnLst>
+      <p:par>
+        <p:cTn id="1" dur="indefinite" restart="never" nodeType="tmRoot"/>
+      </p:par>
+    </p:tnLst>
+  </p:timing>
+</p:sld>
+</file>
+
 <file path=ppt/theme/theme1.xml><?xml version="1.0" encoding="utf-8"?>
 <a:theme xmlns:a="http://schemas.openxmlformats.org/drawingml/2006/main" name="Office Theme">
   <a:themeElements>
